--- a/ПРЕЗЕНТАЦИЯ Барсук В.Г..pptx
+++ b/ПРЕЗЕНТАЦИЯ Барсук В.Г..pptx
@@ -473,8 +473,8 @@
         <c:crossAx val="1528562079"/>
         <c:crosses val="autoZero"/>
         <c:crossBetween val="between"/>
-        <c:majorUnit val="2"/>
-        <c:minorUnit val="1"/>
+        <c:majorUnit val="2.9"/>
+        <c:minorUnit val="2"/>
       </c:valAx>
       <c:spPr>
         <a:noFill/>
@@ -4516,7 +4516,7 @@
           <a:p>
             <a:fld id="{7B4BB132-54F2-4220-ACD1-3781FBD8318F}" type="datetimeFigureOut">
               <a:rPr lang="ru-RU" smtClean="0"/>
-              <a:t>24.07.2025</a:t>
+              <a:t>25.07.2025</a:t>
             </a:fld>
             <a:endParaRPr lang="ru-RU"/>
           </a:p>
@@ -4758,7 +4758,7 @@
           <a:p>
             <a:fld id="{2293E2BF-9ADC-477C-B985-ED6A3FE2C52E}" type="datetimeFigureOut">
               <a:rPr lang="ru-RU" smtClean="0"/>
-              <a:t>24.07.2025</a:t>
+              <a:t>25.07.2025</a:t>
             </a:fld>
             <a:endParaRPr lang="ru-RU"/>
           </a:p>
@@ -4968,7 +4968,7 @@
           <a:p>
             <a:fld id="{2293E2BF-9ADC-477C-B985-ED6A3FE2C52E}" type="datetimeFigureOut">
               <a:rPr lang="ru-RU" smtClean="0"/>
-              <a:t>24.07.2025</a:t>
+              <a:t>25.07.2025</a:t>
             </a:fld>
             <a:endParaRPr lang="ru-RU"/>
           </a:p>
@@ -5255,7 +5255,7 @@
           <a:p>
             <a:fld id="{2293E2BF-9ADC-477C-B985-ED6A3FE2C52E}" type="datetimeFigureOut">
               <a:rPr lang="ru-RU" smtClean="0"/>
-              <a:t>24.07.2025</a:t>
+              <a:t>25.07.2025</a:t>
             </a:fld>
             <a:endParaRPr lang="ru-RU"/>
           </a:p>
@@ -5532,7 +5532,7 @@
           <a:p>
             <a:fld id="{2293E2BF-9ADC-477C-B985-ED6A3FE2C52E}" type="datetimeFigureOut">
               <a:rPr lang="ru-RU" smtClean="0"/>
-              <a:t>24.07.2025</a:t>
+              <a:t>25.07.2025</a:t>
             </a:fld>
             <a:endParaRPr lang="ru-RU"/>
           </a:p>
@@ -5956,7 +5956,7 @@
           <a:p>
             <a:fld id="{2293E2BF-9ADC-477C-B985-ED6A3FE2C52E}" type="datetimeFigureOut">
               <a:rPr lang="ru-RU" smtClean="0"/>
-              <a:t>24.07.2025</a:t>
+              <a:t>25.07.2025</a:t>
             </a:fld>
             <a:endParaRPr lang="ru-RU"/>
           </a:p>
@@ -6109,7 +6109,7 @@
           <a:p>
             <a:fld id="{2293E2BF-9ADC-477C-B985-ED6A3FE2C52E}" type="datetimeFigureOut">
               <a:rPr lang="ru-RU" smtClean="0"/>
-              <a:t>24.07.2025</a:t>
+              <a:t>25.07.2025</a:t>
             </a:fld>
             <a:endParaRPr lang="ru-RU"/>
           </a:p>
@@ -6234,7 +6234,7 @@
           <a:p>
             <a:fld id="{2293E2BF-9ADC-477C-B985-ED6A3FE2C52E}" type="datetimeFigureOut">
               <a:rPr lang="ru-RU" smtClean="0"/>
-              <a:t>24.07.2025</a:t>
+              <a:t>25.07.2025</a:t>
             </a:fld>
             <a:endParaRPr lang="ru-RU"/>
           </a:p>
@@ -6557,7 +6557,7 @@
           <a:p>
             <a:fld id="{2293E2BF-9ADC-477C-B985-ED6A3FE2C52E}" type="datetimeFigureOut">
               <a:rPr lang="ru-RU" smtClean="0"/>
-              <a:t>24.07.2025</a:t>
+              <a:t>25.07.2025</a:t>
             </a:fld>
             <a:endParaRPr lang="ru-RU"/>
           </a:p>
@@ -6857,7 +6857,7 @@
           <a:p>
             <a:fld id="{2293E2BF-9ADC-477C-B985-ED6A3FE2C52E}" type="datetimeFigureOut">
               <a:rPr lang="ru-RU" smtClean="0"/>
-              <a:t>24.07.2025</a:t>
+              <a:t>25.07.2025</a:t>
             </a:fld>
             <a:endParaRPr lang="ru-RU"/>
           </a:p>
@@ -7067,7 +7067,7 @@
           <a:p>
             <a:fld id="{2293E2BF-9ADC-477C-B985-ED6A3FE2C52E}" type="datetimeFigureOut">
               <a:rPr lang="ru-RU" smtClean="0"/>
-              <a:t>24.07.2025</a:t>
+              <a:t>25.07.2025</a:t>
             </a:fld>
             <a:endParaRPr lang="ru-RU"/>
           </a:p>
@@ -7287,7 +7287,7 @@
           <a:p>
             <a:fld id="{2293E2BF-9ADC-477C-B985-ED6A3FE2C52E}" type="datetimeFigureOut">
               <a:rPr lang="ru-RU" smtClean="0"/>
-              <a:t>24.07.2025</a:t>
+              <a:t>25.07.2025</a:t>
             </a:fld>
             <a:endParaRPr lang="ru-RU"/>
           </a:p>
@@ -8694,7 +8694,7 @@
             <a:fld id="{90FB3E60-2F82-4C12-95B3-7ACC1B0E5862}" type="datetimeFigureOut">
               <a:rPr lang="ru-RU" smtClean="0"/>
               <a:pPr/>
-              <a:t>24.07.2025</a:t>
+              <a:t>25.07.2025</a:t>
             </a:fld>
             <a:endParaRPr lang="ru-RU"/>
           </a:p>
@@ -11023,7 +11023,7 @@
           <a:p>
             <a:fld id="{2293E2BF-9ADC-477C-B985-ED6A3FE2C52E}" type="datetimeFigureOut">
               <a:rPr lang="ru-RU" smtClean="0"/>
-              <a:t>24.07.2025</a:t>
+              <a:t>25.07.2025</a:t>
             </a:fld>
             <a:endParaRPr lang="ru-RU"/>
           </a:p>
@@ -12983,8 +12983,8 @@
         </p:nvSpPr>
         <p:spPr>
           <a:xfrm>
-            <a:off x="111000" y="459000"/>
-            <a:ext cx="11970000" cy="6124754"/>
+            <a:off x="561000" y="459000"/>
+            <a:ext cx="11520000" cy="6124754"/>
           </a:xfrm>
           <a:prstGeom prst="rect">
             <a:avLst/>
@@ -13062,8 +13062,6 @@
               </a:rPr>
               <a:t> </a:t>
             </a:r>
-          </a:p>
-          <a:p>
             <a:endParaRPr lang="ru-RU" sz="2000" b="1" dirty="0">
               <a:solidFill>
                 <a:srgbClr val="FF0000"/>
@@ -13144,6 +13142,12 @@
               </a:rPr>
               <a:t>).</a:t>
             </a:r>
+          </a:p>
+          <a:p>
+            <a:endParaRPr lang="ru-RU" sz="2000" dirty="0">
+              <a:latin typeface="Times New Roman" panose="02020603050405020304" pitchFamily="18" charset="0"/>
+              <a:cs typeface="Times New Roman" panose="02020603050405020304" pitchFamily="18" charset="0"/>
+            </a:endParaRPr>
           </a:p>
           <a:p>
             <a:endParaRPr lang="ru-RU" sz="2000" dirty="0">
@@ -13333,7 +13337,7 @@
           <p:nvPr>
             <p:extLst>
               <p:ext uri="{D42A27DB-BD31-4B8C-83A1-F6EECF244321}">
-                <p14:modId xmlns:p14="http://schemas.microsoft.com/office/powerpoint/2010/main" val="1175561168"/>
+                <p14:modId xmlns:p14="http://schemas.microsoft.com/office/powerpoint/2010/main" val="3809473328"/>
               </p:ext>
             </p:extLst>
           </p:nvPr>
@@ -13614,13 +13618,13 @@
         </p:nvPicPr>
         <p:blipFill>
           <a:blip r:embed="rId3"/>
-          <a:srcRect l="10784" t="24309" r="11274" b="8586"/>
+          <a:srcRect l="10784" t="24308" r="11274" b="9691"/>
           <a:stretch/>
         </p:blipFill>
         <p:spPr>
           <a:xfrm>
             <a:off x="692058" y="1483691"/>
-            <a:ext cx="10803941" cy="5232098"/>
+            <a:ext cx="10803942" cy="5146009"/>
           </a:xfrm>
           <a:prstGeom prst="rect">
             <a:avLst/>
@@ -14222,13 +14226,13 @@
         </p:nvPicPr>
         <p:blipFill>
           <a:blip r:embed="rId2"/>
-          <a:srcRect r="16106" b="2557"/>
+          <a:srcRect l="-1" r="20633" b="2557"/>
           <a:stretch/>
         </p:blipFill>
         <p:spPr>
           <a:xfrm>
             <a:off x="4296000" y="1474777"/>
-            <a:ext cx="7896000" cy="5383224"/>
+            <a:ext cx="7470000" cy="5383224"/>
           </a:xfrm>
           <a:prstGeom prst="rect">
             <a:avLst/>
@@ -14452,13 +14456,13 @@
         </p:nvPicPr>
         <p:blipFill>
           <a:blip r:embed="rId2"/>
-          <a:srcRect l="1130" r="16542"/>
+          <a:srcRect l="2071" r="19857"/>
           <a:stretch/>
         </p:blipFill>
         <p:spPr>
           <a:xfrm>
-            <a:off x="4296001" y="1463056"/>
-            <a:ext cx="7877280" cy="5397375"/>
+            <a:off x="4386000" y="1463056"/>
+            <a:ext cx="7470000" cy="5397375"/>
           </a:xfrm>
           <a:prstGeom prst="rect">
             <a:avLst/>

--- a/ПРЕЗЕНТАЦИЯ Барсук В.Г..pptx
+++ b/ПРЕЗЕНТАЦИЯ Барсук В.Г..pptx
@@ -4516,7 +4516,7 @@
           <a:p>
             <a:fld id="{7B4BB132-54F2-4220-ACD1-3781FBD8318F}" type="datetimeFigureOut">
               <a:rPr lang="ru-RU" smtClean="0"/>
-              <a:t>25.07.2025</a:t>
+              <a:t>29.07.2025</a:t>
             </a:fld>
             <a:endParaRPr lang="ru-RU"/>
           </a:p>
@@ -4758,7 +4758,7 @@
           <a:p>
             <a:fld id="{2293E2BF-9ADC-477C-B985-ED6A3FE2C52E}" type="datetimeFigureOut">
               <a:rPr lang="ru-RU" smtClean="0"/>
-              <a:t>25.07.2025</a:t>
+              <a:t>29.07.2025</a:t>
             </a:fld>
             <a:endParaRPr lang="ru-RU"/>
           </a:p>
@@ -4968,7 +4968,7 @@
           <a:p>
             <a:fld id="{2293E2BF-9ADC-477C-B985-ED6A3FE2C52E}" type="datetimeFigureOut">
               <a:rPr lang="ru-RU" smtClean="0"/>
-              <a:t>25.07.2025</a:t>
+              <a:t>29.07.2025</a:t>
             </a:fld>
             <a:endParaRPr lang="ru-RU"/>
           </a:p>
@@ -5255,7 +5255,7 @@
           <a:p>
             <a:fld id="{2293E2BF-9ADC-477C-B985-ED6A3FE2C52E}" type="datetimeFigureOut">
               <a:rPr lang="ru-RU" smtClean="0"/>
-              <a:t>25.07.2025</a:t>
+              <a:t>29.07.2025</a:t>
             </a:fld>
             <a:endParaRPr lang="ru-RU"/>
           </a:p>
@@ -5532,7 +5532,7 @@
           <a:p>
             <a:fld id="{2293E2BF-9ADC-477C-B985-ED6A3FE2C52E}" type="datetimeFigureOut">
               <a:rPr lang="ru-RU" smtClean="0"/>
-              <a:t>25.07.2025</a:t>
+              <a:t>29.07.2025</a:t>
             </a:fld>
             <a:endParaRPr lang="ru-RU"/>
           </a:p>
@@ -5956,7 +5956,7 @@
           <a:p>
             <a:fld id="{2293E2BF-9ADC-477C-B985-ED6A3FE2C52E}" type="datetimeFigureOut">
               <a:rPr lang="ru-RU" smtClean="0"/>
-              <a:t>25.07.2025</a:t>
+              <a:t>29.07.2025</a:t>
             </a:fld>
             <a:endParaRPr lang="ru-RU"/>
           </a:p>
@@ -6109,7 +6109,7 @@
           <a:p>
             <a:fld id="{2293E2BF-9ADC-477C-B985-ED6A3FE2C52E}" type="datetimeFigureOut">
               <a:rPr lang="ru-RU" smtClean="0"/>
-              <a:t>25.07.2025</a:t>
+              <a:t>29.07.2025</a:t>
             </a:fld>
             <a:endParaRPr lang="ru-RU"/>
           </a:p>
@@ -6234,7 +6234,7 @@
           <a:p>
             <a:fld id="{2293E2BF-9ADC-477C-B985-ED6A3FE2C52E}" type="datetimeFigureOut">
               <a:rPr lang="ru-RU" smtClean="0"/>
-              <a:t>25.07.2025</a:t>
+              <a:t>29.07.2025</a:t>
             </a:fld>
             <a:endParaRPr lang="ru-RU"/>
           </a:p>
@@ -6557,7 +6557,7 @@
           <a:p>
             <a:fld id="{2293E2BF-9ADC-477C-B985-ED6A3FE2C52E}" type="datetimeFigureOut">
               <a:rPr lang="ru-RU" smtClean="0"/>
-              <a:t>25.07.2025</a:t>
+              <a:t>29.07.2025</a:t>
             </a:fld>
             <a:endParaRPr lang="ru-RU"/>
           </a:p>
@@ -6857,7 +6857,7 @@
           <a:p>
             <a:fld id="{2293E2BF-9ADC-477C-B985-ED6A3FE2C52E}" type="datetimeFigureOut">
               <a:rPr lang="ru-RU" smtClean="0"/>
-              <a:t>25.07.2025</a:t>
+              <a:t>29.07.2025</a:t>
             </a:fld>
             <a:endParaRPr lang="ru-RU"/>
           </a:p>
@@ -7067,7 +7067,7 @@
           <a:p>
             <a:fld id="{2293E2BF-9ADC-477C-B985-ED6A3FE2C52E}" type="datetimeFigureOut">
               <a:rPr lang="ru-RU" smtClean="0"/>
-              <a:t>25.07.2025</a:t>
+              <a:t>29.07.2025</a:t>
             </a:fld>
             <a:endParaRPr lang="ru-RU"/>
           </a:p>
@@ -7287,7 +7287,7 @@
           <a:p>
             <a:fld id="{2293E2BF-9ADC-477C-B985-ED6A3FE2C52E}" type="datetimeFigureOut">
               <a:rPr lang="ru-RU" smtClean="0"/>
-              <a:t>25.07.2025</a:t>
+              <a:t>29.07.2025</a:t>
             </a:fld>
             <a:endParaRPr lang="ru-RU"/>
           </a:p>
@@ -8694,7 +8694,7 @@
             <a:fld id="{90FB3E60-2F82-4C12-95B3-7ACC1B0E5862}" type="datetimeFigureOut">
               <a:rPr lang="ru-RU" smtClean="0"/>
               <a:pPr/>
-              <a:t>25.07.2025</a:t>
+              <a:t>29.07.2025</a:t>
             </a:fld>
             <a:endParaRPr lang="ru-RU"/>
           </a:p>
@@ -11023,7 +11023,7 @@
           <a:p>
             <a:fld id="{2293E2BF-9ADC-477C-B985-ED6A3FE2C52E}" type="datetimeFigureOut">
               <a:rPr lang="ru-RU" smtClean="0"/>
-              <a:t>25.07.2025</a:t>
+              <a:t>29.07.2025</a:t>
             </a:fld>
             <a:endParaRPr lang="ru-RU"/>
           </a:p>
@@ -12664,10 +12664,10 @@
       </p:sp>
       <p:pic>
         <p:nvPicPr>
-          <p:cNvPr id="17" name="Рисунок 16">
+          <p:cNvPr id="4" name="Рисунок 3">
             <a:extLst>
               <a:ext uri="{FF2B5EF4-FFF2-40B4-BE49-F238E27FC236}">
-                <a16:creationId xmlns:a16="http://schemas.microsoft.com/office/drawing/2014/main" id="{690958F5-A140-83C4-796D-B81C953423F8}"/>
+                <a16:creationId xmlns:a16="http://schemas.microsoft.com/office/drawing/2014/main" id="{5EB92331-C5AA-5B88-ED9C-1D0B764723FD}"/>
               </a:ext>
             </a:extLst>
           </p:cNvPr>
@@ -12678,13 +12678,14 @@
         </p:nvPicPr>
         <p:blipFill>
           <a:blip r:embed="rId2"/>
-          <a:srcRect l="3126" t="19817" r="37849" b="20472"/>
-          <a:stretch/>
+          <a:stretch>
+            <a:fillRect/>
+          </a:stretch>
         </p:blipFill>
         <p:spPr>
           <a:xfrm>
-            <a:off x="966000" y="771949"/>
-            <a:ext cx="10260000" cy="5838271"/>
+            <a:off x="1112193" y="819000"/>
+            <a:ext cx="9967613" cy="5668032"/>
           </a:xfrm>
           <a:prstGeom prst="rect">
             <a:avLst/>
